--- a/teaching/ITIS6200/2023fa/lectures/Syllabus.update.pptx
+++ b/teaching/ITIS6200/2023fa/lectures/Syllabus.update.pptx
@@ -5688,8 +5688,12 @@
               <a:buChar char="●"/>
             </a:pPr>
             <a:r>
+              <a:rPr lang="en-US" sz="2500"/>
+              <a:t>7-9 </a:t>
+            </a:r>
+            <a:r>
               <a:rPr lang="en-US" sz="2500" dirty="0"/>
-              <a:t>6-7 questions, all of which are open questions like the assignments</a:t>
+              <a:t>questions, all of which are open questions like the assignments</a:t>
             </a:r>
           </a:p>
           <a:p>
@@ -5721,10 +5725,9 @@
               <a:buChar char="●"/>
             </a:pPr>
             <a:r>
-              <a:rPr lang="en-US" sz="3300"/>
+              <a:rPr lang="en-US" sz="3300" dirty="0"/>
               <a:t>More …</a:t>
             </a:r>
-            <a:endParaRPr lang="en-US" sz="3300" dirty="0"/>
           </a:p>
           <a:p>
             <a:pPr marL="1188720" lvl="2" indent="-342900">

--- a/teaching/ITIS6200/2023fa/lectures/Syllabus.update.pptx
+++ b/teaching/ITIS6200/2023fa/lectures/Syllabus.update.pptx
@@ -5394,7 +5394,25 @@
               </a:rPr>
               <a:t>UNCC security symposium: 1% </a:t>
             </a:r>
-            <a:endParaRPr lang="en-US" sz="2300" dirty="0">
+          </a:p>
+          <a:p>
+            <a:pPr lvl="2" indent="-342900">
+              <a:lnSpc>
+                <a:spcPct val="120000"/>
+              </a:lnSpc>
+              <a:buSzPts val="1800"/>
+              <a:buChar char="●"/>
+            </a:pPr>
+            <a:r>
+              <a:rPr lang="en-US" sz="2000" dirty="0">
+                <a:solidFill>
+                  <a:schemeClr val="tx1"/>
+                </a:solidFill>
+                <a:latin typeface="Helvetica Neue" panose="02000503000000020004" pitchFamily="2" charset="0"/>
+              </a:rPr>
+              <a:t>Main event: Oct.19</a:t>
+            </a:r>
+            <a:endParaRPr lang="en-US" sz="2000" dirty="0">
               <a:solidFill>
                 <a:schemeClr val="tx1"/>
               </a:solidFill>
@@ -5409,7 +5427,7 @@
               </a:lnSpc>
             </a:pPr>
             <a:r>
-              <a:rPr lang="en-US" sz="1900" dirty="0">
+              <a:rPr lang="en-US" sz="2000" dirty="0">
                 <a:solidFill>
                   <a:schemeClr val="tx1"/>
                 </a:solidFill>
@@ -5432,7 +5450,7 @@
                 </a:solidFill>
                 <a:latin typeface="Helvetica Neue" panose="02000503000000020004" pitchFamily="2" charset="0"/>
               </a:rPr>
-              <a:t>The talk(s) you went	</a:t>
+              <a:t>The talk(s) you went</a:t>
             </a:r>
           </a:p>
           <a:p>
@@ -5688,12 +5706,8 @@
               <a:buChar char="●"/>
             </a:pPr>
             <a:r>
-              <a:rPr lang="en-US" sz="2500"/>
-              <a:t>7-9 </a:t>
-            </a:r>
-            <a:r>
               <a:rPr lang="en-US" sz="2500" dirty="0"/>
-              <a:t>questions, all of which are open questions like the assignments</a:t>
+              <a:t>7-8 questions, all of which are open questions like the assignments</a:t>
             </a:r>
           </a:p>
           <a:p>
@@ -5746,7 +5760,15 @@
             </a:pPr>
             <a:r>
               <a:rPr lang="en-US" sz="2600" dirty="0"/>
-              <a:t>I will sit in the classroom between (roughly) 10-11:15am for clarification questions</a:t>
+              <a:t>I will sit in the </a:t>
+            </a:r>
+            <a:r>
+              <a:rPr lang="en-US" sz="2600"/>
+              <a:t>classroom 010 between </a:t>
+            </a:r>
+            <a:r>
+              <a:rPr lang="en-US" sz="2600" dirty="0"/>
+              <a:t>(roughly) 10-11:15am for clarification questions</a:t>
             </a:r>
           </a:p>
           <a:p>

--- a/teaching/ITIS6200/2023fa/lectures/Syllabus.update.pptx
+++ b/teaching/ITIS6200/2023fa/lectures/Syllabus.update.pptx
@@ -5,14 +5,15 @@
     <p:sldMasterId id="2147483663" r:id="rId1"/>
   </p:sldMasterIdLst>
   <p:notesMasterIdLst>
-    <p:notesMasterId r:id="rId7"/>
+    <p:notesMasterId r:id="rId8"/>
   </p:notesMasterIdLst>
   <p:sldIdLst>
     <p:sldId id="257" r:id="rId2"/>
-    <p:sldId id="259" r:id="rId3"/>
-    <p:sldId id="258" r:id="rId4"/>
-    <p:sldId id="261" r:id="rId5"/>
-    <p:sldId id="263" r:id="rId6"/>
+    <p:sldId id="264" r:id="rId3"/>
+    <p:sldId id="259" r:id="rId4"/>
+    <p:sldId id="258" r:id="rId5"/>
+    <p:sldId id="261" r:id="rId6"/>
+    <p:sldId id="263" r:id="rId7"/>
   </p:sldIdLst>
   <p:sldSz cx="9144000" cy="5143500" type="screen16x9"/>
   <p:notesSz cx="6858000" cy="9144000"/>
@@ -901,14 +902,14 @@
               </a:spcAft>
               <a:buNone/>
             </a:pPr>
-            <a:endParaRPr dirty="0"/>
+            <a:endParaRPr/>
           </a:p>
         </p:txBody>
       </p:sp>
     </p:spTree>
     <p:extLst>
       <p:ext uri="{BB962C8B-B14F-4D97-AF65-F5344CB8AC3E}">
-        <p14:creationId xmlns:p14="http://schemas.microsoft.com/office/powerpoint/2010/main" val="311885901"/>
+        <p14:creationId xmlns:p14="http://schemas.microsoft.com/office/powerpoint/2010/main" val="591739163"/>
       </p:ext>
     </p:extLst>
   </p:cSld>
@@ -1010,14 +1011,14 @@
               </a:spcAft>
               <a:buNone/>
             </a:pPr>
-            <a:endParaRPr/>
+            <a:endParaRPr dirty="0"/>
           </a:p>
         </p:txBody>
       </p:sp>
     </p:spTree>
     <p:extLst>
       <p:ext uri="{BB962C8B-B14F-4D97-AF65-F5344CB8AC3E}">
-        <p14:creationId xmlns:p14="http://schemas.microsoft.com/office/powerpoint/2010/main" val="2619743359"/>
+        <p14:creationId xmlns:p14="http://schemas.microsoft.com/office/powerpoint/2010/main" val="311885901"/>
       </p:ext>
     </p:extLst>
   </p:cSld>
@@ -1126,6 +1127,115 @@
     </p:spTree>
     <p:extLst>
       <p:ext uri="{BB962C8B-B14F-4D97-AF65-F5344CB8AC3E}">
+        <p14:creationId xmlns:p14="http://schemas.microsoft.com/office/powerpoint/2010/main" val="2619743359"/>
+      </p:ext>
+    </p:extLst>
+  </p:cSld>
+  <p:clrMapOvr>
+    <a:masterClrMapping/>
+  </p:clrMapOvr>
+</p:notes>
+</file>
+
+<file path=ppt/notesSlides/notesSlide5.xml><?xml version="1.0" encoding="utf-8"?>
+<p:notes xmlns:a="http://schemas.openxmlformats.org/drawingml/2006/main" xmlns:r="http://schemas.openxmlformats.org/officeDocument/2006/relationships" xmlns:p="http://schemas.openxmlformats.org/presentationml/2006/main" showMasterSp="0" showMasterPhAnim="0">
+  <p:cSld>
+    <p:spTree>
+      <p:nvGrpSpPr>
+        <p:cNvPr id="1" name="Shape 75"/>
+        <p:cNvGrpSpPr/>
+        <p:nvPr/>
+      </p:nvGrpSpPr>
+      <p:grpSpPr>
+        <a:xfrm>
+          <a:off x="0" y="0"/>
+          <a:ext cx="0" cy="0"/>
+          <a:chOff x="0" y="0"/>
+          <a:chExt cx="0" cy="0"/>
+        </a:xfrm>
+      </p:grpSpPr>
+      <p:sp>
+        <p:nvSpPr>
+          <p:cNvPr id="76" name="Google Shape;76;g1139d5a3aa1_0_3:notes"/>
+          <p:cNvSpPr>
+            <a:spLocks noGrp="1" noRot="1" noChangeAspect="1"/>
+          </p:cNvSpPr>
+          <p:nvPr>
+            <p:ph type="sldImg" idx="2"/>
+          </p:nvPr>
+        </p:nvSpPr>
+        <p:spPr>
+          <a:xfrm>
+            <a:off x="381000" y="685800"/>
+            <a:ext cx="6096000" cy="3429000"/>
+          </a:xfrm>
+          <a:custGeom>
+            <a:avLst/>
+            <a:gdLst/>
+            <a:ahLst/>
+            <a:cxnLst/>
+            <a:rect l="l" t="t" r="r" b="b"/>
+            <a:pathLst>
+              <a:path w="120000" h="120000" extrusionOk="0">
+                <a:moveTo>
+                  <a:pt x="0" y="0"/>
+                </a:moveTo>
+                <a:lnTo>
+                  <a:pt x="120000" y="0"/>
+                </a:lnTo>
+                <a:lnTo>
+                  <a:pt x="120000" y="120000"/>
+                </a:lnTo>
+                <a:lnTo>
+                  <a:pt x="0" y="120000"/>
+                </a:lnTo>
+                <a:close/>
+              </a:path>
+            </a:pathLst>
+          </a:custGeom>
+        </p:spPr>
+      </p:sp>
+      <p:sp>
+        <p:nvSpPr>
+          <p:cNvPr id="77" name="Google Shape;77;g1139d5a3aa1_0_3:notes"/>
+          <p:cNvSpPr txBox="1">
+            <a:spLocks noGrp="1"/>
+          </p:cNvSpPr>
+          <p:nvPr>
+            <p:ph type="body" idx="1"/>
+          </p:nvPr>
+        </p:nvSpPr>
+        <p:spPr>
+          <a:xfrm>
+            <a:off x="685800" y="4343400"/>
+            <a:ext cx="5486400" cy="4114800"/>
+          </a:xfrm>
+          <a:prstGeom prst="rect">
+            <a:avLst/>
+          </a:prstGeom>
+        </p:spPr>
+        <p:txBody>
+          <a:bodyPr spcFirstLastPara="1" wrap="square" lIns="91425" tIns="91425" rIns="91425" bIns="91425" anchor="t" anchorCtr="0">
+            <a:noAutofit/>
+          </a:bodyPr>
+          <a:lstStyle/>
+          <a:p>
+            <a:pPr marL="0" lvl="0" indent="0" algn="l" rtl="0">
+              <a:spcBef>
+                <a:spcPts val="0"/>
+              </a:spcBef>
+              <a:spcAft>
+                <a:spcPts val="0"/>
+              </a:spcAft>
+              <a:buNone/>
+            </a:pPr>
+            <a:endParaRPr/>
+          </a:p>
+        </p:txBody>
+      </p:sp>
+    </p:spTree>
+    <p:extLst>
+      <p:ext uri="{BB962C8B-B14F-4D97-AF65-F5344CB8AC3E}">
         <p14:creationId xmlns:p14="http://schemas.microsoft.com/office/powerpoint/2010/main" val="412730757"/>
       </p:ext>
     </p:extLst>
@@ -1136,7 +1246,7 @@
 </p:notes>
 </file>
 
-<file path=ppt/notesSlides/notesSlide5.xml><?xml version="1.0" encoding="utf-8"?>
+<file path=ppt/notesSlides/notesSlide6.xml><?xml version="1.0" encoding="utf-8"?>
 <p:notes xmlns:a="http://schemas.openxmlformats.org/drawingml/2006/main" xmlns:r="http://schemas.openxmlformats.org/officeDocument/2006/relationships" xmlns:p="http://schemas.openxmlformats.org/presentationml/2006/main" showMasterSp="0" showMasterPhAnim="0">
   <p:cSld>
     <p:spTree>
@@ -5222,7 +5332,7 @@
         </p:spPr>
         <p:txBody>
           <a:bodyPr spcFirstLastPara="1" wrap="square" lIns="91425" tIns="91425" rIns="91425" bIns="91425" anchor="t" anchorCtr="0">
-            <a:normAutofit fontScale="70000" lnSpcReduction="20000"/>
+            <a:normAutofit/>
           </a:bodyPr>
           <a:lstStyle/>
           <a:p>
@@ -5313,15 +5423,50 @@
               <a:buChar char="●"/>
             </a:pPr>
             <a:r>
-              <a:rPr lang="en-US" sz="2300" dirty="0">
+              <a:rPr lang="en-US" sz="2300" b="1" dirty="0">
                 <a:solidFill>
                   <a:schemeClr val="tx1"/>
                 </a:solidFill>
                 <a:effectLst/>
                 <a:latin typeface="Helvetica Neue" panose="02000503000000020004" pitchFamily="2" charset="0"/>
               </a:rPr>
-              <a:t>Midterm: 20%</a:t>
+              <a:t>Midterm: </a:t>
             </a:r>
+            <a:r>
+              <a:rPr lang="en-US" sz="2300" b="1" dirty="0">
+                <a:solidFill>
+                  <a:srgbClr val="FF0000"/>
+                </a:solidFill>
+                <a:effectLst/>
+                <a:latin typeface="Helvetica Neue" panose="02000503000000020004" pitchFamily="2" charset="0"/>
+              </a:rPr>
+              <a:t>20% =&gt; 10% </a:t>
+            </a:r>
+          </a:p>
+          <a:p>
+            <a:pPr lvl="2" indent="-342900">
+              <a:lnSpc>
+                <a:spcPct val="120000"/>
+              </a:lnSpc>
+              <a:buSzPts val="1800"/>
+              <a:buChar char="●"/>
+            </a:pPr>
+            <a:r>
+              <a:rPr lang="en-US" sz="2300" dirty="0">
+                <a:solidFill>
+                  <a:srgbClr val="FF0000"/>
+                </a:solidFill>
+                <a:latin typeface="Helvetica Neue" panose="02000503000000020004" pitchFamily="2" charset="0"/>
+              </a:rPr>
+              <a:t>Late submission 20% penalty</a:t>
+            </a:r>
+            <a:endParaRPr lang="en-US" sz="2300" dirty="0">
+              <a:solidFill>
+                <a:srgbClr val="FF0000"/>
+              </a:solidFill>
+              <a:effectLst/>
+              <a:latin typeface="Helvetica Neue" panose="02000503000000020004" pitchFamily="2" charset="0"/>
+            </a:endParaRPr>
           </a:p>
           <a:p>
             <a:pPr lvl="1" indent="-342900">
@@ -5332,32 +5477,51 @@
               <a:buChar char="●"/>
             </a:pPr>
             <a:r>
-              <a:rPr lang="en-US" sz="2300" dirty="0">
+              <a:rPr lang="en-US" sz="2300" b="1" dirty="0">
                 <a:solidFill>
                   <a:schemeClr val="tx1"/>
                 </a:solidFill>
                 <a:effectLst/>
                 <a:latin typeface="Helvetica Neue" panose="02000503000000020004" pitchFamily="2" charset="0"/>
               </a:rPr>
-              <a:t>Final: 20%</a:t>
+              <a:t>Final: </a:t>
             </a:r>
-          </a:p>
-          <a:p>
-            <a:pPr>
-              <a:lnSpc>
-                <a:spcPct val="120000"/>
-              </a:lnSpc>
-            </a:pPr>
             <a:r>
-              <a:rPr lang="en-US" sz="3400" dirty="0">
+              <a:rPr lang="en-US" sz="2300" b="1" dirty="0">
                 <a:solidFill>
-                  <a:schemeClr val="tx1"/>
+                  <a:srgbClr val="FF0000"/>
                 </a:solidFill>
                 <a:effectLst/>
                 <a:latin typeface="Helvetica Neue" panose="02000503000000020004" pitchFamily="2" charset="0"/>
               </a:rPr>
-              <a:t>Extra credit</a:t>
+              <a:t>20% =&gt; 30%</a:t>
             </a:r>
+          </a:p>
+          <a:p>
+            <a:pPr lvl="2" indent="-342900">
+              <a:lnSpc>
+                <a:spcPct val="120000"/>
+              </a:lnSpc>
+              <a:buSzPts val="1800"/>
+              <a:buFont typeface="Arial"/>
+              <a:buChar char="●"/>
+            </a:pPr>
+            <a:r>
+              <a:rPr lang="en-US" sz="2300" dirty="0">
+                <a:solidFill>
+                  <a:srgbClr val="FF0000"/>
+                </a:solidFill>
+                <a:latin typeface="Helvetica Neue" panose="02000503000000020004" pitchFamily="2" charset="0"/>
+              </a:rPr>
+              <a:t>Late submission 30% penalty</a:t>
+            </a:r>
+            <a:endParaRPr lang="en-US" sz="2300" dirty="0">
+              <a:solidFill>
+                <a:srgbClr val="FF0000"/>
+              </a:solidFill>
+              <a:effectLst/>
+              <a:latin typeface="Helvetica Neue" panose="02000503000000020004" pitchFamily="2" charset="0"/>
+            </a:endParaRPr>
           </a:p>
           <a:p>
             <a:pPr lvl="1" indent="-342900">
@@ -5367,108 +5531,13 @@
               <a:buSzPts val="1800"/>
               <a:buChar char="●"/>
             </a:pPr>
-            <a:r>
-              <a:rPr lang="en-US" sz="2300" dirty="0">
-                <a:solidFill>
-                  <a:schemeClr val="tx1"/>
-                </a:solidFill>
-                <a:latin typeface="Helvetica Neue" panose="02000503000000020004" pitchFamily="2" charset="0"/>
-              </a:rPr>
-              <a:t>Class participation: 5%</a:t>
-            </a:r>
-          </a:p>
-          <a:p>
-            <a:pPr lvl="1" indent="-342900">
-              <a:lnSpc>
-                <a:spcPct val="120000"/>
-              </a:lnSpc>
-              <a:buSzPts val="1800"/>
-              <a:buChar char="●"/>
-            </a:pPr>
-            <a:r>
-              <a:rPr lang="en-US" sz="2300" dirty="0">
-                <a:solidFill>
-                  <a:schemeClr val="tx1"/>
-                </a:solidFill>
-                <a:latin typeface="Helvetica Neue" panose="02000503000000020004" pitchFamily="2" charset="0"/>
-              </a:rPr>
-              <a:t>UNCC security symposium: 1% </a:t>
-            </a:r>
-          </a:p>
-          <a:p>
-            <a:pPr lvl="2" indent="-342900">
-              <a:lnSpc>
-                <a:spcPct val="120000"/>
-              </a:lnSpc>
-              <a:buSzPts val="1800"/>
-              <a:buChar char="●"/>
-            </a:pPr>
-            <a:r>
-              <a:rPr lang="en-US" sz="2000" dirty="0">
-                <a:solidFill>
-                  <a:schemeClr val="tx1"/>
-                </a:solidFill>
-                <a:latin typeface="Helvetica Neue" panose="02000503000000020004" pitchFamily="2" charset="0"/>
-              </a:rPr>
-              <a:t>Main event: Oct.19</a:t>
-            </a:r>
-            <a:endParaRPr lang="en-US" sz="2000" dirty="0">
+            <a:endParaRPr lang="en-US" sz="2300" b="1" dirty="0">
               <a:solidFill>
                 <a:schemeClr val="tx1"/>
               </a:solidFill>
               <a:effectLst/>
               <a:latin typeface="Helvetica Neue" panose="02000503000000020004" pitchFamily="2" charset="0"/>
             </a:endParaRPr>
-          </a:p>
-          <a:p>
-            <a:pPr lvl="2">
-              <a:lnSpc>
-                <a:spcPct val="120000"/>
-              </a:lnSpc>
-            </a:pPr>
-            <a:r>
-              <a:rPr lang="en-US" sz="2000" dirty="0">
-                <a:solidFill>
-                  <a:schemeClr val="tx1"/>
-                </a:solidFill>
-                <a:effectLst/>
-                <a:latin typeface="Helvetica Neue" panose="02000503000000020004" pitchFamily="2" charset="0"/>
-              </a:rPr>
-              <a:t>Upload one or two paragraphs about: </a:t>
-            </a:r>
-          </a:p>
-          <a:p>
-            <a:pPr lvl="3">
-              <a:lnSpc>
-                <a:spcPct val="120000"/>
-              </a:lnSpc>
-            </a:pPr>
-            <a:r>
-              <a:rPr lang="en-US" sz="1900" dirty="0">
-                <a:solidFill>
-                  <a:schemeClr val="tx1"/>
-                </a:solidFill>
-                <a:latin typeface="Helvetica Neue" panose="02000503000000020004" pitchFamily="2" charset="0"/>
-              </a:rPr>
-              <a:t>The talk(s) you went</a:t>
-            </a:r>
-          </a:p>
-          <a:p>
-            <a:pPr lvl="3">
-              <a:lnSpc>
-                <a:spcPct val="120000"/>
-              </a:lnSpc>
-            </a:pPr>
-            <a:r>
-              <a:rPr lang="en-US" sz="1900" dirty="0">
-                <a:solidFill>
-                  <a:schemeClr val="tx1"/>
-                </a:solidFill>
-                <a:effectLst/>
-                <a:latin typeface="Helvetica Neue" panose="02000503000000020004" pitchFamily="2" charset="0"/>
-              </a:rPr>
-              <a:t>What do you think about the contents of the talk(s). What do you like and dislike? </a:t>
-            </a:r>
           </a:p>
         </p:txBody>
       </p:sp>
@@ -5593,8 +5662,8 @@
         </p:nvSpPr>
         <p:spPr>
           <a:xfrm>
-            <a:off x="198500" y="1246825"/>
-            <a:ext cx="8945500" cy="3765600"/>
+            <a:off x="198500" y="1246824"/>
+            <a:ext cx="8424800" cy="3769095"/>
           </a:xfrm>
           <a:prstGeom prst="rect">
             <a:avLst/>
@@ -5602,192 +5671,223 @@
         </p:spPr>
         <p:txBody>
           <a:bodyPr spcFirstLastPara="1" wrap="square" lIns="91425" tIns="91425" rIns="91425" bIns="91425" anchor="t" anchorCtr="0">
-            <a:normAutofit fontScale="55000" lnSpcReduction="20000"/>
+            <a:normAutofit fontScale="85000" lnSpcReduction="20000"/>
           </a:bodyPr>
           <a:lstStyle/>
           <a:p>
-            <a:pPr marL="457200" lvl="0" indent="-342900" algn="l" rtl="0">
-              <a:spcBef>
-                <a:spcPts val="0"/>
-              </a:spcBef>
-              <a:spcAft>
-                <a:spcPts val="0"/>
-              </a:spcAft>
+            <a:pPr>
+              <a:lnSpc>
+                <a:spcPct val="120000"/>
+              </a:lnSpc>
+            </a:pPr>
+            <a:r>
+              <a:rPr lang="en-US" sz="3400" dirty="0">
+                <a:solidFill>
+                  <a:schemeClr val="tx1"/>
+                </a:solidFill>
+                <a:effectLst/>
+                <a:latin typeface="Helvetica Neue" panose="02000503000000020004" pitchFamily="2" charset="0"/>
+              </a:rPr>
+              <a:t>Extra credit</a:t>
+            </a:r>
+          </a:p>
+          <a:p>
+            <a:pPr lvl="1" indent="-342900">
+              <a:lnSpc>
+                <a:spcPct val="120000"/>
+              </a:lnSpc>
               <a:buSzPts val="1800"/>
               <a:buChar char="●"/>
             </a:pPr>
             <a:r>
-              <a:rPr lang="en" sz="4400" dirty="0"/>
-              <a:t>Midterm</a:t>
+              <a:rPr lang="en-US" sz="2300" dirty="0">
+                <a:solidFill>
+                  <a:schemeClr val="tx1"/>
+                </a:solidFill>
+                <a:latin typeface="Helvetica Neue" panose="02000503000000020004" pitchFamily="2" charset="0"/>
+              </a:rPr>
+              <a:t>Class participation: 5%</a:t>
             </a:r>
-            <a:endParaRPr lang="en" sz="2800" dirty="0"/>
-          </a:p>
-          <a:p>
-            <a:pPr marL="822960" lvl="1" indent="-342900">
+          </a:p>
+          <a:p>
+            <a:pPr lvl="2" indent="-342900">
+              <a:lnSpc>
+                <a:spcPct val="120000"/>
+              </a:lnSpc>
               <a:buSzPts val="1800"/>
               <a:buChar char="●"/>
             </a:pPr>
             <a:r>
-              <a:rPr lang="en-US" sz="3300" dirty="0"/>
-              <a:t>Time</a:t>
+              <a:rPr lang="en-US" sz="2100" dirty="0">
+                <a:solidFill>
+                  <a:schemeClr val="tx1"/>
+                </a:solidFill>
+                <a:latin typeface="Helvetica Neue" panose="02000503000000020004" pitchFamily="2" charset="0"/>
+              </a:rPr>
+              <a:t>Base line 1%</a:t>
             </a:r>
-            <a:endParaRPr lang="en-US" sz="2400" dirty="0"/>
-          </a:p>
-          <a:p>
-            <a:pPr marL="1188720" lvl="2" indent="-342900">
-              <a:buSzPts val="1800"/>
-              <a:buFont typeface="Arial"/>
-              <a:buChar char="●"/>
-            </a:pPr>
-            <a:r>
-              <a:rPr lang="en-US" sz="2500" dirty="0"/>
-              <a:t>Oct. 3rd</a:t>
-            </a:r>
-          </a:p>
-          <a:p>
-            <a:pPr marL="1188720" lvl="2" indent="-342900">
-              <a:buSzPts val="1800"/>
-              <a:buFont typeface="Arial"/>
-              <a:buChar char="●"/>
-            </a:pPr>
-            <a:r>
-              <a:rPr lang="en-US" sz="2500" dirty="0"/>
-              <a:t>Midterm opens between 9:30-11:30am at Canvas</a:t>
-            </a:r>
-          </a:p>
-          <a:p>
-            <a:pPr marL="822960" lvl="1" indent="-342900">
-              <a:buSzPts val="1800"/>
-              <a:buFont typeface="Arial"/>
-              <a:buChar char="●"/>
-            </a:pPr>
-            <a:r>
-              <a:rPr lang="en-US" sz="3300" dirty="0"/>
-              <a:t>Format</a:t>
-            </a:r>
-          </a:p>
-          <a:p>
-            <a:pPr marL="1188720" lvl="2" indent="-342900">
-              <a:buSzPts val="1800"/>
-              <a:buFont typeface="Arial"/>
-              <a:buChar char="●"/>
-            </a:pPr>
-            <a:r>
-              <a:rPr lang="en-US" sz="2500" dirty="0"/>
-              <a:t>Open book</a:t>
-            </a:r>
-          </a:p>
-          <a:p>
-            <a:pPr marL="1188720" lvl="2" indent="-342900">
-              <a:buSzPts val="1800"/>
-              <a:buFont typeface="Arial"/>
-              <a:buChar char="●"/>
-            </a:pPr>
-            <a:r>
-              <a:rPr lang="en-US" sz="2500" dirty="0"/>
-              <a:t>No internet access allowed</a:t>
-            </a:r>
-          </a:p>
-          <a:p>
-            <a:pPr marL="1188720" lvl="2" indent="-342900">
-              <a:buSzPts val="1800"/>
-              <a:buFont typeface="Arial"/>
-              <a:buChar char="●"/>
-            </a:pPr>
-            <a:r>
-              <a:rPr lang="en-US" sz="2500" dirty="0"/>
-              <a:t>Download and submit in Canvas (like the assignments)</a:t>
-            </a:r>
-          </a:p>
-          <a:p>
-            <a:pPr marL="1188720" lvl="2" indent="-342900">
-              <a:buSzPts val="1800"/>
-              <a:buFont typeface="Arial"/>
-              <a:buChar char="●"/>
-            </a:pPr>
-            <a:r>
-              <a:rPr lang="en-US" sz="2500" dirty="0"/>
-              <a:t>7-8 questions, all of which are open questions like the assignments</a:t>
-            </a:r>
-          </a:p>
-          <a:p>
-            <a:pPr marL="822960" lvl="1" indent="-342900">
-              <a:buSzPts val="1800"/>
-              <a:buFont typeface="Arial"/>
-              <a:buChar char="●"/>
-            </a:pPr>
-            <a:r>
-              <a:rPr lang="en-US" sz="3300" dirty="0"/>
-              <a:t>Topics</a:t>
-            </a:r>
-          </a:p>
-          <a:p>
-            <a:pPr marL="1188720" lvl="2" indent="-342900">
-              <a:buSzPts val="1800"/>
-              <a:buFont typeface="Arial"/>
-              <a:buChar char="●"/>
-            </a:pPr>
-            <a:r>
-              <a:rPr lang="en-US" sz="2500" dirty="0"/>
-              <a:t>Covers all cryptography lectures</a:t>
-            </a:r>
-          </a:p>
-          <a:p>
-            <a:pPr marL="822960" lvl="1" indent="-342900">
-              <a:buSzPts val="1800"/>
-              <a:buFont typeface="Arial"/>
-              <a:buChar char="●"/>
-            </a:pPr>
-            <a:r>
-              <a:rPr lang="en-US" sz="3300" dirty="0"/>
-              <a:t>More …</a:t>
-            </a:r>
-          </a:p>
-          <a:p>
-            <a:pPr marL="1188720" lvl="2" indent="-342900">
+          </a:p>
+          <a:p>
+            <a:pPr lvl="2" indent="-342900">
+              <a:lnSpc>
+                <a:spcPct val="120000"/>
+              </a:lnSpc>
               <a:buSzPts val="1800"/>
               <a:buChar char="●"/>
             </a:pPr>
             <a:r>
-              <a:rPr lang="en-US" sz="2600" dirty="0"/>
-              <a:t>No lecture on midterm day</a:t>
+              <a:rPr lang="en-US" sz="2100" dirty="0">
+                <a:solidFill>
+                  <a:schemeClr val="tx1"/>
+                </a:solidFill>
+                <a:latin typeface="Helvetica Neue" panose="02000503000000020004" pitchFamily="2" charset="0"/>
+              </a:rPr>
+              <a:t>Q &amp; A in class </a:t>
             </a:r>
           </a:p>
           <a:p>
-            <a:pPr marL="1188720" lvl="2" indent="-342900">
+            <a:pPr lvl="2" indent="-342900">
+              <a:lnSpc>
+                <a:spcPct val="120000"/>
+              </a:lnSpc>
               <a:buSzPts val="1800"/>
               <a:buChar char="●"/>
             </a:pPr>
             <a:r>
-              <a:rPr lang="en-US" sz="2600" dirty="0"/>
-              <a:t>I will sit in the </a:t>
+              <a:rPr lang="en-US" sz="2100" dirty="0">
+                <a:solidFill>
+                  <a:schemeClr val="tx1"/>
+                </a:solidFill>
+                <a:latin typeface="Helvetica Neue" panose="02000503000000020004" pitchFamily="2" charset="0"/>
+              </a:rPr>
+              <a:t>Office hours</a:t>
+            </a:r>
+          </a:p>
+          <a:p>
+            <a:pPr lvl="2" indent="-342900">
+              <a:lnSpc>
+                <a:spcPct val="120000"/>
+              </a:lnSpc>
+              <a:buSzPts val="1800"/>
+              <a:buChar char="●"/>
+            </a:pPr>
+            <a:r>
+              <a:rPr lang="en-US" sz="2100" dirty="0">
+                <a:solidFill>
+                  <a:schemeClr val="tx1"/>
+                </a:solidFill>
+                <a:latin typeface="Helvetica Neue" panose="02000503000000020004" pitchFamily="2" charset="0"/>
+              </a:rPr>
+              <a:t>Others</a:t>
+            </a:r>
+          </a:p>
+          <a:p>
+            <a:pPr lvl="2" indent="-342900">
+              <a:lnSpc>
+                <a:spcPct val="120000"/>
+              </a:lnSpc>
+              <a:buSzPts val="1800"/>
+              <a:buChar char="●"/>
+            </a:pPr>
+            <a:endParaRPr lang="en-US" sz="2300" dirty="0">
+              <a:solidFill>
+                <a:schemeClr val="tx1"/>
+              </a:solidFill>
+              <a:latin typeface="Helvetica Neue" panose="02000503000000020004" pitchFamily="2" charset="0"/>
+            </a:endParaRPr>
+          </a:p>
+          <a:p>
+            <a:pPr lvl="1" indent="-342900">
+              <a:lnSpc>
+                <a:spcPct val="120000"/>
+              </a:lnSpc>
+              <a:buSzPts val="1800"/>
+              <a:buChar char="●"/>
+            </a:pPr>
+            <a:r>
+              <a:rPr lang="en-US" sz="2300" dirty="0">
+                <a:solidFill>
+                  <a:schemeClr val="tx1"/>
+                </a:solidFill>
+                <a:latin typeface="Helvetica Neue" panose="02000503000000020004" pitchFamily="2" charset="0"/>
+              </a:rPr>
+              <a:t>UNCC security symposium (</a:t>
             </a:r>
             <a:r>
-              <a:rPr lang="en-US" sz="2600"/>
-              <a:t>classroom 010 between </a:t>
+              <a:rPr lang="en-US" sz="2400" dirty="0">
+                <a:solidFill>
+                  <a:schemeClr val="tx1"/>
+                </a:solidFill>
+                <a:latin typeface="Helvetica Neue" panose="02000503000000020004" pitchFamily="2" charset="0"/>
+              </a:rPr>
+              <a:t>Oct.19</a:t>
             </a:r>
             <a:r>
-              <a:rPr lang="en-US" sz="2600" dirty="0"/>
-              <a:t>(roughly) 10-11:15am for clarification questions</a:t>
+              <a:rPr lang="en-US" sz="2300" dirty="0">
+                <a:solidFill>
+                  <a:schemeClr val="tx1"/>
+                </a:solidFill>
+                <a:latin typeface="Helvetica Neue" panose="02000503000000020004" pitchFamily="2" charset="0"/>
+              </a:rPr>
+              <a:t>): 1% </a:t>
             </a:r>
-          </a:p>
-          <a:p>
-            <a:pPr marL="1188720" lvl="2" indent="-342900">
-              <a:buSzPts val="1800"/>
-              <a:buChar char="●"/>
+            <a:endParaRPr lang="en-US" sz="2000" dirty="0">
+              <a:solidFill>
+                <a:schemeClr val="tx1"/>
+              </a:solidFill>
+              <a:effectLst/>
+              <a:latin typeface="Helvetica Neue" panose="02000503000000020004" pitchFamily="2" charset="0"/>
+            </a:endParaRPr>
+          </a:p>
+          <a:p>
+            <a:pPr lvl="2">
+              <a:lnSpc>
+                <a:spcPct val="120000"/>
+              </a:lnSpc>
             </a:pPr>
             <a:r>
-              <a:rPr lang="en-US" sz="2600" dirty="0"/>
-              <a:t>I encourage you to take the exam in the classroom, so you may not miss any hints from me</a:t>
+              <a:rPr lang="en-US" sz="2000" dirty="0">
+                <a:solidFill>
+                  <a:schemeClr val="tx1"/>
+                </a:solidFill>
+                <a:effectLst/>
+                <a:latin typeface="Helvetica Neue" panose="02000503000000020004" pitchFamily="2" charset="0"/>
+              </a:rPr>
+              <a:t>Upload one or two paragraphs about: </a:t>
             </a:r>
-            <a:endParaRPr lang="en-US" sz="2400" dirty="0"/>
-          </a:p>
-          <a:p>
-            <a:pPr lvl="1" indent="-342900">
-              <a:buSzPts val="1800"/>
-              <a:buChar char="●"/>
-            </a:pPr>
-            <a:endParaRPr sz="2400" dirty="0"/>
+          </a:p>
+          <a:p>
+            <a:pPr lvl="3">
+              <a:lnSpc>
+                <a:spcPct val="120000"/>
+              </a:lnSpc>
+            </a:pPr>
+            <a:r>
+              <a:rPr lang="en-US" sz="1900" dirty="0">
+                <a:solidFill>
+                  <a:schemeClr val="tx1"/>
+                </a:solidFill>
+                <a:latin typeface="Helvetica Neue" panose="02000503000000020004" pitchFamily="2" charset="0"/>
+              </a:rPr>
+              <a:t>The talk(s) you went</a:t>
+            </a:r>
+          </a:p>
+          <a:p>
+            <a:pPr lvl="3">
+              <a:lnSpc>
+                <a:spcPct val="120000"/>
+              </a:lnSpc>
+            </a:pPr>
+            <a:r>
+              <a:rPr lang="en-US" sz="1900" dirty="0">
+                <a:solidFill>
+                  <a:schemeClr val="tx1"/>
+                </a:solidFill>
+                <a:effectLst/>
+                <a:latin typeface="Helvetica Neue" panose="02000503000000020004" pitchFamily="2" charset="0"/>
+              </a:rPr>
+              <a:t>What do you think about the contents of the talk(s). What do you like and dislike? </a:t>
+            </a:r>
           </a:p>
         </p:txBody>
       </p:sp>
@@ -5836,7 +5936,7 @@
     </p:spTree>
     <p:extLst>
       <p:ext uri="{BB962C8B-B14F-4D97-AF65-F5344CB8AC3E}">
-        <p14:creationId xmlns:p14="http://schemas.microsoft.com/office/powerpoint/2010/main" val="2896167470"/>
+        <p14:creationId xmlns:p14="http://schemas.microsoft.com/office/powerpoint/2010/main" val="4031375619"/>
       </p:ext>
     </p:extLst>
   </p:cSld>
@@ -5918,7 +6018,7 @@
         <p:spPr>
           <a:xfrm>
             <a:off x="198500" y="1246825"/>
-            <a:ext cx="8520600" cy="3765600"/>
+            <a:ext cx="8945500" cy="3765600"/>
           </a:xfrm>
           <a:prstGeom prst="rect">
             <a:avLst/>
@@ -5926,7 +6026,7 @@
         </p:spPr>
         <p:txBody>
           <a:bodyPr spcFirstLastPara="1" wrap="square" lIns="91425" tIns="91425" rIns="91425" bIns="91425" anchor="t" anchorCtr="0">
-            <a:normAutofit lnSpcReduction="10000"/>
+            <a:normAutofit fontScale="55000" lnSpcReduction="20000"/>
           </a:bodyPr>
           <a:lstStyle/>
           <a:p>
@@ -5941,91 +6041,177 @@
               <a:buChar char="●"/>
             </a:pPr>
             <a:r>
-              <a:rPr lang="en" sz="2800" dirty="0">
-                <a:solidFill>
-                  <a:schemeClr val="tx1"/>
-                </a:solidFill>
-              </a:rPr>
-              <a:t>Late submission policies</a:t>
+              <a:rPr lang="en" sz="4400" dirty="0"/>
+              <a:t>Midterm</a:t>
             </a:r>
-          </a:p>
-          <a:p>
-            <a:pPr lvl="1" indent="-342900">
+            <a:endParaRPr lang="en" sz="2800" dirty="0"/>
+          </a:p>
+          <a:p>
+            <a:pPr marL="822960" lvl="1" indent="-342900">
+              <a:buSzPts val="1800"/>
+              <a:buChar char="●"/>
+            </a:pPr>
+            <a:r>
+              <a:rPr lang="en-US" sz="3300" dirty="0"/>
+              <a:t>Time</a:t>
+            </a:r>
+            <a:endParaRPr lang="en-US" sz="2400" dirty="0"/>
+          </a:p>
+          <a:p>
+            <a:pPr marL="1188720" lvl="2" indent="-342900">
               <a:buSzPts val="1800"/>
               <a:buFont typeface="Arial"/>
               <a:buChar char="●"/>
             </a:pPr>
             <a:r>
-              <a:rPr lang="en-US" sz="2400" dirty="0">
-                <a:solidFill>
-                  <a:schemeClr val="tx1"/>
-                </a:solidFill>
-                <a:latin typeface="Helvetica Neue" panose="02000503000000020004" pitchFamily="2" charset="0"/>
-              </a:rPr>
-              <a:t>Maximum time of delay: 3 days</a:t>
+              <a:rPr lang="en-US" sz="2500" dirty="0"/>
+              <a:t>Oct. 3rd</a:t>
             </a:r>
+          </a:p>
+          <a:p>
+            <a:pPr marL="1188720" lvl="2" indent="-342900">
+              <a:buSzPts val="1800"/>
+              <a:buFont typeface="Arial"/>
+              <a:buChar char="●"/>
+            </a:pPr>
+            <a:r>
+              <a:rPr lang="en-US" sz="2500" dirty="0"/>
+              <a:t>Midterm opens between 9:30-11:30am at Canvas</a:t>
+            </a:r>
+          </a:p>
+          <a:p>
+            <a:pPr marL="822960" lvl="1" indent="-342900">
+              <a:buSzPts val="1800"/>
+              <a:buFont typeface="Arial"/>
+              <a:buChar char="●"/>
+            </a:pPr>
+            <a:r>
+              <a:rPr lang="en-US" sz="3300" dirty="0"/>
+              <a:t>Format</a:t>
+            </a:r>
+          </a:p>
+          <a:p>
+            <a:pPr marL="1188720" lvl="2" indent="-342900">
+              <a:buSzPts val="1800"/>
+              <a:buFont typeface="Arial"/>
+              <a:buChar char="●"/>
+            </a:pPr>
+            <a:r>
+              <a:rPr lang="en-US" sz="2500" dirty="0"/>
+              <a:t>Open book</a:t>
+            </a:r>
+          </a:p>
+          <a:p>
+            <a:pPr marL="1188720" lvl="2" indent="-342900">
+              <a:buSzPts val="1800"/>
+              <a:buFont typeface="Arial"/>
+              <a:buChar char="●"/>
+            </a:pPr>
+            <a:r>
+              <a:rPr lang="en-US" sz="2500" dirty="0"/>
+              <a:t>No internet access allowed</a:t>
+            </a:r>
+          </a:p>
+          <a:p>
+            <a:pPr marL="1188720" lvl="2" indent="-342900">
+              <a:buSzPts val="1800"/>
+              <a:buFont typeface="Arial"/>
+              <a:buChar char="●"/>
+            </a:pPr>
+            <a:r>
+              <a:rPr lang="en-US" sz="2500" dirty="0"/>
+              <a:t>Download and submit in Canvas (like the assignments)</a:t>
+            </a:r>
+          </a:p>
+          <a:p>
+            <a:pPr marL="1188720" lvl="2" indent="-342900">
+              <a:buSzPts val="1800"/>
+              <a:buFont typeface="Arial"/>
+              <a:buChar char="●"/>
+            </a:pPr>
+            <a:r>
+              <a:rPr lang="en-US" sz="2500" dirty="0"/>
+              <a:t>7-8 questions, all of which are open questions like the assignments</a:t>
+            </a:r>
+          </a:p>
+          <a:p>
+            <a:pPr marL="822960" lvl="1" indent="-342900">
+              <a:buSzPts val="1800"/>
+              <a:buFont typeface="Arial"/>
+              <a:buChar char="●"/>
+            </a:pPr>
+            <a:r>
+              <a:rPr lang="en-US" sz="3300" dirty="0"/>
+              <a:t>Topics</a:t>
+            </a:r>
+          </a:p>
+          <a:p>
+            <a:pPr marL="1188720" lvl="2" indent="-342900">
+              <a:buSzPts val="1800"/>
+              <a:buFont typeface="Arial"/>
+              <a:buChar char="●"/>
+            </a:pPr>
+            <a:r>
+              <a:rPr lang="en-US" sz="2500" dirty="0"/>
+              <a:t>Covers all cryptography lectures</a:t>
+            </a:r>
+          </a:p>
+          <a:p>
+            <a:pPr marL="822960" lvl="1" indent="-342900">
+              <a:buSzPts val="1800"/>
+              <a:buFont typeface="Arial"/>
+              <a:buChar char="●"/>
+            </a:pPr>
+            <a:r>
+              <a:rPr lang="en-US" sz="3300" dirty="0"/>
+              <a:t>More …</a:t>
+            </a:r>
+          </a:p>
+          <a:p>
+            <a:pPr marL="1188720" lvl="2" indent="-342900">
+              <a:buSzPts val="1800"/>
+              <a:buChar char="●"/>
+            </a:pPr>
+            <a:r>
+              <a:rPr lang="en-US" sz="2600" dirty="0"/>
+              <a:t>No lecture on midterm day</a:t>
+            </a:r>
+          </a:p>
+          <a:p>
+            <a:pPr marL="1188720" lvl="2" indent="-342900">
+              <a:buSzPts val="1800"/>
+              <a:buChar char="●"/>
+            </a:pPr>
+            <a:r>
+              <a:rPr lang="en-US" sz="2600" dirty="0"/>
+              <a:t>I will sit in the </a:t>
+            </a:r>
+            <a:r>
+              <a:rPr lang="en-US" sz="2600"/>
+              <a:t>classroom 010 between </a:t>
+            </a:r>
+            <a:r>
+              <a:rPr lang="en-US" sz="2600" dirty="0"/>
+              <a:t>(roughly) 10-11:15am for clarification questions</a:t>
+            </a:r>
+          </a:p>
+          <a:p>
+            <a:pPr marL="1188720" lvl="2" indent="-342900">
+              <a:buSzPts val="1800"/>
+              <a:buChar char="●"/>
+            </a:pPr>
+            <a:r>
+              <a:rPr lang="en-US" sz="2600" dirty="0"/>
+              <a:t>I encourage you to take the exam in the classroom, so you may not miss any hints from me</a:t>
+            </a:r>
+            <a:endParaRPr lang="en-US" sz="2400" dirty="0"/>
           </a:p>
           <a:p>
             <a:pPr lvl="1" indent="-342900">
               <a:buSzPts val="1800"/>
               <a:buChar char="●"/>
             </a:pPr>
-            <a:r>
-              <a:rPr lang="en-US" sz="2400" dirty="0">
-                <a:solidFill>
-                  <a:schemeClr val="tx1"/>
-                </a:solidFill>
-                <a:effectLst/>
-                <a:latin typeface="Helvetica Neue" panose="02000503000000020004" pitchFamily="2" charset="0"/>
-              </a:rPr>
-              <a:t>Penalty: 20% (1 day), 30% (</a:t>
-            </a:r>
-            <a:r>
-              <a:rPr lang="en-US" sz="2400" dirty="0">
-                <a:solidFill>
-                  <a:schemeClr val="tx1"/>
-                </a:solidFill>
-                <a:latin typeface="Helvetica Neue" panose="02000503000000020004" pitchFamily="2" charset="0"/>
-              </a:rPr>
-              <a:t>2</a:t>
-            </a:r>
-            <a:r>
-              <a:rPr lang="en-US" sz="2400" dirty="0">
-                <a:solidFill>
-                  <a:schemeClr val="tx1"/>
-                </a:solidFill>
-                <a:effectLst/>
-                <a:latin typeface="Helvetica Neue" panose="02000503000000020004" pitchFamily="2" charset="0"/>
-              </a:rPr>
-              <a:t> days), or 40% (3 days) of the initial score</a:t>
-            </a:r>
-          </a:p>
-          <a:p>
-            <a:pPr lvl="1" indent="-342900">
-              <a:buSzPts val="1800"/>
-              <a:buChar char="●"/>
-            </a:pPr>
-            <a:endParaRPr lang="en-US" sz="2400" dirty="0">
-              <a:solidFill>
-                <a:schemeClr val="tx1"/>
-              </a:solidFill>
-              <a:latin typeface="Helvetica Neue" panose="02000503000000020004" pitchFamily="2" charset="0"/>
-            </a:endParaRPr>
-          </a:p>
-          <a:p>
-            <a:pPr lvl="1" indent="-342900">
-              <a:buSzPts val="1800"/>
-              <a:buChar char="●"/>
-            </a:pPr>
-            <a:r>
-              <a:rPr lang="en-US" sz="2400" dirty="0">
-                <a:solidFill>
-                  <a:schemeClr val="tx1"/>
-                </a:solidFill>
-                <a:latin typeface="Helvetica Neue" panose="02000503000000020004" pitchFamily="2" charset="0"/>
-              </a:rPr>
-              <a:t>Example: Alice was late for assignment #1 by 2 days, and her submission got 80 points for all the questions in the assignment. Then, her final score would be 80*(1-30%) = 56. </a:t>
-            </a:r>
+            <a:endParaRPr sz="2400" dirty="0"/>
           </a:p>
         </p:txBody>
       </p:sp>
@@ -6074,7 +6260,7 @@
     </p:spTree>
     <p:extLst>
       <p:ext uri="{BB962C8B-B14F-4D97-AF65-F5344CB8AC3E}">
-        <p14:creationId xmlns:p14="http://schemas.microsoft.com/office/powerpoint/2010/main" val="2423837551"/>
+        <p14:creationId xmlns:p14="http://schemas.microsoft.com/office/powerpoint/2010/main" val="2896167470"/>
       </p:ext>
     </p:extLst>
   </p:cSld>
@@ -6164,7 +6350,7 @@
         </p:spPr>
         <p:txBody>
           <a:bodyPr spcFirstLastPara="1" wrap="square" lIns="91425" tIns="91425" rIns="91425" bIns="91425" anchor="t" anchorCtr="0">
-            <a:normAutofit/>
+            <a:normAutofit lnSpcReduction="10000"/>
           </a:bodyPr>
           <a:lstStyle/>
           <a:p>
@@ -6184,12 +6370,13 @@
                   <a:schemeClr val="tx1"/>
                 </a:solidFill>
               </a:rPr>
-              <a:t>Teaching feedback</a:t>
+              <a:t>Late submission policies</a:t>
             </a:r>
           </a:p>
           <a:p>
             <a:pPr lvl="1" indent="-342900">
               <a:buSzPts val="1800"/>
+              <a:buFont typeface="Arial"/>
               <a:buChar char="●"/>
             </a:pPr>
             <a:r>
@@ -6197,20 +6384,10 @@
                 <a:solidFill>
                   <a:schemeClr val="tx1"/>
                 </a:solidFill>
+                <a:latin typeface="Helvetica Neue" panose="02000503000000020004" pitchFamily="2" charset="0"/>
               </a:rPr>
-              <a:t>More examples</a:t>
+              <a:t>Maximum time of delay: 3 days</a:t>
             </a:r>
-          </a:p>
-          <a:p>
-            <a:pPr lvl="1" indent="-342900">
-              <a:buSzPts val="1800"/>
-              <a:buChar char="●"/>
-            </a:pPr>
-            <a:endParaRPr lang="en-US" sz="2400" dirty="0">
-              <a:solidFill>
-                <a:schemeClr val="tx1"/>
-              </a:solidFill>
-            </a:endParaRPr>
           </a:p>
           <a:p>
             <a:pPr lvl="1" indent="-342900">
@@ -6222,8 +6399,29 @@
                 <a:solidFill>
                   <a:schemeClr val="tx1"/>
                 </a:solidFill>
+                <a:effectLst/>
+                <a:latin typeface="Helvetica Neue" panose="02000503000000020004" pitchFamily="2" charset="0"/>
               </a:rPr>
-              <a:t>Going slower on slides</a:t>
+              <a:t>Penalty: 20% (1 day), 30% (</a:t>
+            </a:r>
+            <a:r>
+              <a:rPr lang="en-US" sz="2400" dirty="0">
+                <a:solidFill>
+                  <a:schemeClr val="tx1"/>
+                </a:solidFill>
+                <a:latin typeface="Helvetica Neue" panose="02000503000000020004" pitchFamily="2" charset="0"/>
+              </a:rPr>
+              <a:t>2</a:t>
+            </a:r>
+            <a:r>
+              <a:rPr lang="en-US" sz="2400" dirty="0">
+                <a:solidFill>
+                  <a:schemeClr val="tx1"/>
+                </a:solidFill>
+                <a:effectLst/>
+                <a:latin typeface="Helvetica Neue" panose="02000503000000020004" pitchFamily="2" charset="0"/>
+              </a:rPr>
+              <a:t> days), or 40% (3 days) of the initial score</a:t>
             </a:r>
           </a:p>
           <a:p>
@@ -6235,6 +6433,7 @@
               <a:solidFill>
                 <a:schemeClr val="tx1"/>
               </a:solidFill>
+              <a:latin typeface="Helvetica Neue" panose="02000503000000020004" pitchFamily="2" charset="0"/>
             </a:endParaRPr>
           </a:p>
           <a:p>
@@ -6242,33 +6441,15 @@
               <a:buSzPts val="1800"/>
               <a:buChar char="●"/>
             </a:pPr>
-            <a:endParaRPr lang="en-US" sz="2400" dirty="0">
-              <a:solidFill>
-                <a:schemeClr val="tx1"/>
-              </a:solidFill>
-            </a:endParaRPr>
-          </a:p>
-          <a:p>
-            <a:pPr lvl="1" indent="-342900">
-              <a:buSzPts val="1800"/>
-              <a:buChar char="●"/>
-            </a:pPr>
-            <a:endParaRPr lang="en-US" sz="2400" dirty="0">
-              <a:solidFill>
-                <a:schemeClr val="tx1"/>
-              </a:solidFill>
-            </a:endParaRPr>
-          </a:p>
-          <a:p>
-            <a:pPr lvl="1" indent="-342900">
-              <a:buSzPts val="1800"/>
-              <a:buChar char="●"/>
-            </a:pPr>
-            <a:endParaRPr sz="2400" dirty="0">
-              <a:solidFill>
-                <a:schemeClr val="tx1"/>
-              </a:solidFill>
-            </a:endParaRPr>
+            <a:r>
+              <a:rPr lang="en-US" sz="2400" dirty="0">
+                <a:solidFill>
+                  <a:schemeClr val="tx1"/>
+                </a:solidFill>
+                <a:latin typeface="Helvetica Neue" panose="02000503000000020004" pitchFamily="2" charset="0"/>
+              </a:rPr>
+              <a:t>Example: Alice was late for assignment #1 by 2 days, and her submission got 80 points for all the questions in the assignment. Then, her final score would be 80*(1-30%) = 56. </a:t>
+            </a:r>
           </a:p>
         </p:txBody>
       </p:sp>
@@ -6317,7 +6498,7 @@
     </p:spTree>
     <p:extLst>
       <p:ext uri="{BB962C8B-B14F-4D97-AF65-F5344CB8AC3E}">
-        <p14:creationId xmlns:p14="http://schemas.microsoft.com/office/powerpoint/2010/main" val="635951652"/>
+        <p14:creationId xmlns:p14="http://schemas.microsoft.com/office/powerpoint/2010/main" val="2423837551"/>
       </p:ext>
     </p:extLst>
   </p:cSld>
@@ -6369,30 +6550,149 @@
           </a:bodyPr>
           <a:lstStyle/>
           <a:p>
+            <a:pPr marL="0" lvl="0" indent="0" algn="l" rtl="0">
+              <a:spcBef>
+                <a:spcPts val="0"/>
+              </a:spcBef>
+              <a:spcAft>
+                <a:spcPts val="0"/>
+              </a:spcAft>
+              <a:buNone/>
+            </a:pPr>
+            <a:r>
+              <a:rPr lang="en" dirty="0"/>
+              <a:t>Announcement &amp; Update to Syllabus</a:t>
+            </a:r>
+            <a:endParaRPr dirty="0"/>
+          </a:p>
+        </p:txBody>
+      </p:sp>
+      <p:sp>
+        <p:nvSpPr>
+          <p:cNvPr id="80" name="Google Shape;80;p18"/>
+          <p:cNvSpPr txBox="1">
+            <a:spLocks noGrp="1"/>
+          </p:cNvSpPr>
+          <p:nvPr>
+            <p:ph type="body" idx="1"/>
+          </p:nvPr>
+        </p:nvSpPr>
+        <p:spPr>
+          <a:xfrm>
+            <a:off x="198500" y="1246825"/>
+            <a:ext cx="8520600" cy="3765600"/>
+          </a:xfrm>
+          <a:prstGeom prst="rect">
+            <a:avLst/>
+          </a:prstGeom>
+        </p:spPr>
+        <p:txBody>
+          <a:bodyPr spcFirstLastPara="1" wrap="square" lIns="91425" tIns="91425" rIns="91425" bIns="91425" anchor="t" anchorCtr="0">
+            <a:normAutofit/>
+          </a:bodyPr>
+          <a:lstStyle/>
+          <a:p>
+            <a:pPr marL="457200" lvl="0" indent="-342900" algn="l" rtl="0">
+              <a:spcBef>
+                <a:spcPts val="0"/>
+              </a:spcBef>
+              <a:spcAft>
+                <a:spcPts val="0"/>
+              </a:spcAft>
+              <a:buSzPts val="1800"/>
+              <a:buChar char="●"/>
+            </a:pPr>
             <a:r>
               <a:rPr lang="en" sz="2800" dirty="0">
                 <a:solidFill>
                   <a:schemeClr val="tx1"/>
                 </a:solidFill>
               </a:rPr>
-              <a:t>More about the course objectives: </a:t>
+              <a:t>Teaching feedback</a:t>
             </a:r>
+          </a:p>
+          <a:p>
+            <a:pPr lvl="1" indent="-342900">
+              <a:buSzPts val="1800"/>
+              <a:buChar char="●"/>
+            </a:pPr>
             <a:r>
-              <a:rPr lang="en" b="1" dirty="0">
+              <a:rPr lang="en-US" sz="2400" dirty="0">
                 <a:solidFill>
                   <a:schemeClr val="tx1"/>
                 </a:solidFill>
               </a:rPr>
-              <a:t>Introduction</a:t>
+              <a:t>More examples</a:t>
             </a:r>
-            <a:br>
-              <a:rPr lang="en" sz="2800" dirty="0">
+          </a:p>
+          <a:p>
+            <a:pPr lvl="1" indent="-342900">
+              <a:buSzPts val="1800"/>
+              <a:buChar char="●"/>
+            </a:pPr>
+            <a:endParaRPr lang="en-US" sz="2400" dirty="0">
+              <a:solidFill>
+                <a:schemeClr val="tx1"/>
+              </a:solidFill>
+            </a:endParaRPr>
+          </a:p>
+          <a:p>
+            <a:pPr lvl="1" indent="-342900">
+              <a:buSzPts val="1800"/>
+              <a:buChar char="●"/>
+            </a:pPr>
+            <a:r>
+              <a:rPr lang="en-US" sz="2400" dirty="0">
                 <a:solidFill>
                   <a:schemeClr val="tx1"/>
                 </a:solidFill>
               </a:rPr>
-            </a:br>
-            <a:endParaRPr dirty="0"/>
+              <a:t>Going slower on slides</a:t>
+            </a:r>
+          </a:p>
+          <a:p>
+            <a:pPr lvl="1" indent="-342900">
+              <a:buSzPts val="1800"/>
+              <a:buChar char="●"/>
+            </a:pPr>
+            <a:endParaRPr lang="en-US" sz="2400" dirty="0">
+              <a:solidFill>
+                <a:schemeClr val="tx1"/>
+              </a:solidFill>
+            </a:endParaRPr>
+          </a:p>
+          <a:p>
+            <a:pPr lvl="1" indent="-342900">
+              <a:buSzPts val="1800"/>
+              <a:buChar char="●"/>
+            </a:pPr>
+            <a:endParaRPr lang="en-US" sz="2400" dirty="0">
+              <a:solidFill>
+                <a:schemeClr val="tx1"/>
+              </a:solidFill>
+            </a:endParaRPr>
+          </a:p>
+          <a:p>
+            <a:pPr lvl="1" indent="-342900">
+              <a:buSzPts val="1800"/>
+              <a:buChar char="●"/>
+            </a:pPr>
+            <a:endParaRPr lang="en-US" sz="2400" dirty="0">
+              <a:solidFill>
+                <a:schemeClr val="tx1"/>
+              </a:solidFill>
+            </a:endParaRPr>
+          </a:p>
+          <a:p>
+            <a:pPr lvl="1" indent="-342900">
+              <a:buSzPts val="1800"/>
+              <a:buChar char="●"/>
+            </a:pPr>
+            <a:endParaRPr sz="2400" dirty="0">
+              <a:solidFill>
+                <a:schemeClr val="tx1"/>
+              </a:solidFill>
+            </a:endParaRPr>
           </a:p>
         </p:txBody>
       </p:sp>
@@ -6433,6 +6733,130 @@
             <a:fld id="{00000000-1234-1234-1234-123412341234}" type="slidenum">
               <a:rPr lang="en"/>
               <a:t>5</a:t>
+            </a:fld>
+            <a:endParaRPr/>
+          </a:p>
+        </p:txBody>
+      </p:sp>
+    </p:spTree>
+    <p:extLst>
+      <p:ext uri="{BB962C8B-B14F-4D97-AF65-F5344CB8AC3E}">
+        <p14:creationId xmlns:p14="http://schemas.microsoft.com/office/powerpoint/2010/main" val="635951652"/>
+      </p:ext>
+    </p:extLst>
+  </p:cSld>
+  <p:clrMapOvr>
+    <a:masterClrMapping/>
+  </p:clrMapOvr>
+</p:sld>
+</file>
+
+<file path=ppt/slides/slide6.xml><?xml version="1.0" encoding="utf-8"?>
+<p:sld xmlns:a="http://schemas.openxmlformats.org/drawingml/2006/main" xmlns:r="http://schemas.openxmlformats.org/officeDocument/2006/relationships" xmlns:p="http://schemas.openxmlformats.org/presentationml/2006/main">
+  <p:cSld>
+    <p:spTree>
+      <p:nvGrpSpPr>
+        <p:cNvPr id="1" name="Shape 78"/>
+        <p:cNvGrpSpPr/>
+        <p:nvPr/>
+      </p:nvGrpSpPr>
+      <p:grpSpPr>
+        <a:xfrm>
+          <a:off x="0" y="0"/>
+          <a:ext cx="0" cy="0"/>
+          <a:chOff x="0" y="0"/>
+          <a:chExt cx="0" cy="0"/>
+        </a:xfrm>
+      </p:grpSpPr>
+      <p:sp>
+        <p:nvSpPr>
+          <p:cNvPr id="79" name="Google Shape;79;p18"/>
+          <p:cNvSpPr txBox="1">
+            <a:spLocks noGrp="1"/>
+          </p:cNvSpPr>
+          <p:nvPr>
+            <p:ph type="title"/>
+          </p:nvPr>
+        </p:nvSpPr>
+        <p:spPr>
+          <a:xfrm>
+            <a:off x="102700" y="270875"/>
+            <a:ext cx="8520600" cy="572700"/>
+          </a:xfrm>
+          <a:prstGeom prst="rect">
+            <a:avLst/>
+          </a:prstGeom>
+        </p:spPr>
+        <p:txBody>
+          <a:bodyPr spcFirstLastPara="1" wrap="square" lIns="91425" tIns="91425" rIns="91425" bIns="91425" anchor="t" anchorCtr="0">
+            <a:normAutofit fontScale="90000"/>
+          </a:bodyPr>
+          <a:lstStyle/>
+          <a:p>
+            <a:r>
+              <a:rPr lang="en" sz="2800" dirty="0">
+                <a:solidFill>
+                  <a:schemeClr val="tx1"/>
+                </a:solidFill>
+              </a:rPr>
+              <a:t>More about the course objectives: </a:t>
+            </a:r>
+            <a:r>
+              <a:rPr lang="en" b="1" dirty="0">
+                <a:solidFill>
+                  <a:schemeClr val="tx1"/>
+                </a:solidFill>
+              </a:rPr>
+              <a:t>Introduction</a:t>
+            </a:r>
+            <a:br>
+              <a:rPr lang="en" sz="2800" dirty="0">
+                <a:solidFill>
+                  <a:schemeClr val="tx1"/>
+                </a:solidFill>
+              </a:rPr>
+            </a:br>
+            <a:endParaRPr dirty="0"/>
+          </a:p>
+        </p:txBody>
+      </p:sp>
+      <p:sp>
+        <p:nvSpPr>
+          <p:cNvPr id="81" name="Google Shape;81;p18"/>
+          <p:cNvSpPr txBox="1">
+            <a:spLocks noGrp="1"/>
+          </p:cNvSpPr>
+          <p:nvPr>
+            <p:ph type="sldNum" idx="12"/>
+          </p:nvPr>
+        </p:nvSpPr>
+        <p:spPr>
+          <a:xfrm>
+            <a:off x="8472458" y="4663217"/>
+            <a:ext cx="548700" cy="393600"/>
+          </a:xfrm>
+          <a:prstGeom prst="rect">
+            <a:avLst/>
+          </a:prstGeom>
+        </p:spPr>
+        <p:txBody>
+          <a:bodyPr spcFirstLastPara="1" wrap="square" lIns="91425" tIns="91425" rIns="91425" bIns="91425" anchor="ctr" anchorCtr="0">
+            <a:normAutofit/>
+          </a:bodyPr>
+          <a:lstStyle/>
+          <a:p>
+            <a:pPr marL="0" lvl="0" indent="0" algn="r" rtl="0">
+              <a:spcBef>
+                <a:spcPts val="0"/>
+              </a:spcBef>
+              <a:spcAft>
+                <a:spcPts val="0"/>
+              </a:spcAft>
+              <a:buNone/>
+            </a:pPr>
+            <a:fld id="{00000000-1234-1234-1234-123412341234}" type="slidenum">
+              <a:rPr lang="en"/>
+              <a:t>6</a:t>
             </a:fld>
             <a:endParaRPr/>
           </a:p>

--- a/teaching/ITIS6200/2023fa/lectures/Syllabus.update.pptx
+++ b/teaching/ITIS6200/2023fa/lectures/Syllabus.update.pptx
@@ -5332,7 +5332,7 @@
         </p:spPr>
         <p:txBody>
           <a:bodyPr spcFirstLastPara="1" wrap="square" lIns="91425" tIns="91425" rIns="91425" bIns="91425" anchor="t" anchorCtr="0">
-            <a:normAutofit/>
+            <a:normAutofit fontScale="92500"/>
           </a:bodyPr>
           <a:lstStyle/>
           <a:p>
@@ -5354,6 +5354,7 @@
                 <a:solidFill>
                   <a:schemeClr val="tx1"/>
                 </a:solidFill>
+                <a:latin typeface="+mn-lt"/>
               </a:rPr>
               <a:t>Grading structure</a:t>
             </a:r>
@@ -5372,9 +5373,28 @@
                   <a:schemeClr val="tx1"/>
                 </a:solidFill>
                 <a:effectLst/>
-                <a:latin typeface="Helvetica Neue" panose="02000503000000020004" pitchFamily="2" charset="0"/>
+                <a:latin typeface="+mn-lt"/>
               </a:rPr>
               <a:t>Assignments (4): 35%</a:t>
+            </a:r>
+          </a:p>
+          <a:p>
+            <a:pPr lvl="2" indent="-342900">
+              <a:lnSpc>
+                <a:spcPct val="120000"/>
+              </a:lnSpc>
+              <a:buSzPts val="1800"/>
+              <a:buChar char="●"/>
+            </a:pPr>
+            <a:r>
+              <a:rPr lang="en-US" sz="1900" dirty="0">
+                <a:solidFill>
+                  <a:schemeClr val="tx1"/>
+                </a:solidFill>
+                <a:effectLst/>
+                <a:latin typeface="+mn-lt"/>
+              </a:rPr>
+              <a:t>Plagiarism Review will be turned on</a:t>
             </a:r>
           </a:p>
           <a:p>
@@ -5390,7 +5410,7 @@
                 <a:solidFill>
                   <a:schemeClr val="tx1"/>
                 </a:solidFill>
-                <a:latin typeface="Helvetica Neue" panose="02000503000000020004" pitchFamily="2" charset="0"/>
+                <a:latin typeface="+mn-lt"/>
               </a:rPr>
               <a:t>Projects (2): 15%</a:t>
             </a:r>
@@ -5409,7 +5429,7 @@
                   <a:schemeClr val="tx1"/>
                 </a:solidFill>
                 <a:effectLst/>
-                <a:latin typeface="Helvetica Neue" panose="02000503000000020004" pitchFamily="2" charset="0"/>
+                <a:latin typeface="+mn-lt"/>
               </a:rPr>
               <a:t>Quiz (4-5): 10%</a:t>
             </a:r>
@@ -5428,7 +5448,7 @@
                   <a:schemeClr val="tx1"/>
                 </a:solidFill>
                 <a:effectLst/>
-                <a:latin typeface="Helvetica Neue" panose="02000503000000020004" pitchFamily="2" charset="0"/>
+                <a:latin typeface="+mn-lt"/>
               </a:rPr>
               <a:t>Midterm: </a:t>
             </a:r>
@@ -5438,9 +5458,9 @@
                   <a:srgbClr val="FF0000"/>
                 </a:solidFill>
                 <a:effectLst/>
-                <a:latin typeface="Helvetica Neue" panose="02000503000000020004" pitchFamily="2" charset="0"/>
+                <a:latin typeface="+mn-lt"/>
               </a:rPr>
-              <a:t>20% =&gt; 10% </a:t>
+              <a:t>20% =&gt; 15% </a:t>
             </a:r>
           </a:p>
           <a:p>
@@ -5456,7 +5476,7 @@
                 <a:solidFill>
                   <a:srgbClr val="FF0000"/>
                 </a:solidFill>
-                <a:latin typeface="Helvetica Neue" panose="02000503000000020004" pitchFamily="2" charset="0"/>
+                <a:latin typeface="+mn-lt"/>
               </a:rPr>
               <a:t>Late submission 20% penalty</a:t>
             </a:r>
@@ -5465,7 +5485,7 @@
                 <a:srgbClr val="FF0000"/>
               </a:solidFill>
               <a:effectLst/>
-              <a:latin typeface="Helvetica Neue" panose="02000503000000020004" pitchFamily="2" charset="0"/>
+              <a:latin typeface="+mn-lt"/>
             </a:endParaRPr>
           </a:p>
           <a:p>
@@ -5482,7 +5502,7 @@
                   <a:schemeClr val="tx1"/>
                 </a:solidFill>
                 <a:effectLst/>
-                <a:latin typeface="Helvetica Neue" panose="02000503000000020004" pitchFamily="2" charset="0"/>
+                <a:latin typeface="+mn-lt"/>
               </a:rPr>
               <a:t>Final: </a:t>
             </a:r>
@@ -5492,9 +5512,28 @@
                   <a:srgbClr val="FF0000"/>
                 </a:solidFill>
                 <a:effectLst/>
-                <a:latin typeface="Helvetica Neue" panose="02000503000000020004" pitchFamily="2" charset="0"/>
+                <a:latin typeface="+mn-lt"/>
               </a:rPr>
-              <a:t>20% =&gt; 30%</a:t>
+              <a:t>20% =&gt; </a:t>
+            </a:r>
+            <a:r>
+              <a:rPr lang="en-US" sz="2300" b="1" dirty="0">
+                <a:solidFill>
+                  <a:srgbClr val="FF0000"/>
+                </a:solidFill>
+                <a:latin typeface="+mn-lt"/>
+              </a:rPr>
+              <a:t>25</a:t>
+            </a:r>
+            <a:r>
+              <a:rPr lang="en-US" sz="2300" b="1" dirty="0">
+                <a:solidFill>
+                  <a:srgbClr val="FF0000"/>
+                </a:solidFill>
+                <a:effectLst/>
+                <a:latin typeface="+mn-lt"/>
+              </a:rPr>
+              <a:t>%</a:t>
             </a:r>
           </a:p>
           <a:p>
@@ -5511,7 +5550,7 @@
                 <a:solidFill>
                   <a:srgbClr val="FF0000"/>
                 </a:solidFill>
-                <a:latin typeface="Helvetica Neue" panose="02000503000000020004" pitchFamily="2" charset="0"/>
+                <a:latin typeface="+mn-lt"/>
               </a:rPr>
               <a:t>Late submission 30% penalty</a:t>
             </a:r>
@@ -5520,7 +5559,7 @@
                 <a:srgbClr val="FF0000"/>
               </a:solidFill>
               <a:effectLst/>
-              <a:latin typeface="Helvetica Neue" panose="02000503000000020004" pitchFamily="2" charset="0"/>
+              <a:latin typeface="+mn-lt"/>
             </a:endParaRPr>
           </a:p>
           <a:p>
@@ -5536,7 +5575,7 @@
                 <a:schemeClr val="tx1"/>
               </a:solidFill>
               <a:effectLst/>
-              <a:latin typeface="Helvetica Neue" panose="02000503000000020004" pitchFamily="2" charset="0"/>
+              <a:latin typeface="+mn-lt"/>
             </a:endParaRPr>
           </a:p>
         </p:txBody>
@@ -5886,7 +5925,7 @@
                 <a:effectLst/>
                 <a:latin typeface="Helvetica Neue" panose="02000503000000020004" pitchFamily="2" charset="0"/>
               </a:rPr>
-              <a:t>What do you think about the contents of the talk(s). What do you like and dislike? </a:t>
+              <a:t>What do you think about the contents of the talk(s). What do you like and dislike?</a:t>
             </a:r>
           </a:p>
         </p:txBody>

--- a/teaching/ITIS6200/2023fa/lectures/Syllabus.update.pptx
+++ b/teaching/ITIS6200/2023fa/lectures/Syllabus.update.pptx
@@ -5412,7 +5412,7 @@
                 </a:solidFill>
                 <a:latin typeface="+mn-lt"/>
               </a:rPr>
-              <a:t>Projects (2): 15%</a:t>
+              <a:t>Projects (3): 15%</a:t>
             </a:r>
           </a:p>
           <a:p>
